--- a/sqoop.pptx
+++ b/sqoop.pptx
@@ -281,7 +281,7 @@
           <a:p>
             <a:fld id="{E19F52F1-73BD-4BE7-9AED-8C4A15D34D5B}" type="datetimeFigureOut">
               <a:rPr lang="en-IN" smtClean="0"/>
-              <a:t>09-09-2018</a:t>
+              <a:t>15-09-2018</a:t>
             </a:fld>
             <a:endParaRPr lang="en-IN"/>
           </a:p>
@@ -481,7 +481,7 @@
           <a:p>
             <a:fld id="{E19F52F1-73BD-4BE7-9AED-8C4A15D34D5B}" type="datetimeFigureOut">
               <a:rPr lang="en-IN" smtClean="0"/>
-              <a:t>09-09-2018</a:t>
+              <a:t>15-09-2018</a:t>
             </a:fld>
             <a:endParaRPr lang="en-IN"/>
           </a:p>
@@ -691,7 +691,7 @@
           <a:p>
             <a:fld id="{E19F52F1-73BD-4BE7-9AED-8C4A15D34D5B}" type="datetimeFigureOut">
               <a:rPr lang="en-IN" smtClean="0"/>
-              <a:t>09-09-2018</a:t>
+              <a:t>15-09-2018</a:t>
             </a:fld>
             <a:endParaRPr lang="en-IN"/>
           </a:p>
@@ -891,7 +891,7 @@
           <a:p>
             <a:fld id="{E19F52F1-73BD-4BE7-9AED-8C4A15D34D5B}" type="datetimeFigureOut">
               <a:rPr lang="en-IN" smtClean="0"/>
-              <a:t>09-09-2018</a:t>
+              <a:t>15-09-2018</a:t>
             </a:fld>
             <a:endParaRPr lang="en-IN"/>
           </a:p>
@@ -1167,7 +1167,7 @@
           <a:p>
             <a:fld id="{E19F52F1-73BD-4BE7-9AED-8C4A15D34D5B}" type="datetimeFigureOut">
               <a:rPr lang="en-IN" smtClean="0"/>
-              <a:t>09-09-2018</a:t>
+              <a:t>15-09-2018</a:t>
             </a:fld>
             <a:endParaRPr lang="en-IN"/>
           </a:p>
@@ -1435,7 +1435,7 @@
           <a:p>
             <a:fld id="{E19F52F1-73BD-4BE7-9AED-8C4A15D34D5B}" type="datetimeFigureOut">
               <a:rPr lang="en-IN" smtClean="0"/>
-              <a:t>09-09-2018</a:t>
+              <a:t>15-09-2018</a:t>
             </a:fld>
             <a:endParaRPr lang="en-IN"/>
           </a:p>
@@ -1850,7 +1850,7 @@
           <a:p>
             <a:fld id="{E19F52F1-73BD-4BE7-9AED-8C4A15D34D5B}" type="datetimeFigureOut">
               <a:rPr lang="en-IN" smtClean="0"/>
-              <a:t>09-09-2018</a:t>
+              <a:t>15-09-2018</a:t>
             </a:fld>
             <a:endParaRPr lang="en-IN"/>
           </a:p>
@@ -1992,7 +1992,7 @@
           <a:p>
             <a:fld id="{E19F52F1-73BD-4BE7-9AED-8C4A15D34D5B}" type="datetimeFigureOut">
               <a:rPr lang="en-IN" smtClean="0"/>
-              <a:t>09-09-2018</a:t>
+              <a:t>15-09-2018</a:t>
             </a:fld>
             <a:endParaRPr lang="en-IN"/>
           </a:p>
@@ -2105,7 +2105,7 @@
           <a:p>
             <a:fld id="{E19F52F1-73BD-4BE7-9AED-8C4A15D34D5B}" type="datetimeFigureOut">
               <a:rPr lang="en-IN" smtClean="0"/>
-              <a:t>09-09-2018</a:t>
+              <a:t>15-09-2018</a:t>
             </a:fld>
             <a:endParaRPr lang="en-IN"/>
           </a:p>
@@ -2418,7 +2418,7 @@
           <a:p>
             <a:fld id="{E19F52F1-73BD-4BE7-9AED-8C4A15D34D5B}" type="datetimeFigureOut">
               <a:rPr lang="en-IN" smtClean="0"/>
-              <a:t>09-09-2018</a:t>
+              <a:t>15-09-2018</a:t>
             </a:fld>
             <a:endParaRPr lang="en-IN"/>
           </a:p>
@@ -2707,7 +2707,7 @@
           <a:p>
             <a:fld id="{E19F52F1-73BD-4BE7-9AED-8C4A15D34D5B}" type="datetimeFigureOut">
               <a:rPr lang="en-IN" smtClean="0"/>
-              <a:t>09-09-2018</a:t>
+              <a:t>15-09-2018</a:t>
             </a:fld>
             <a:endParaRPr lang="en-IN"/>
           </a:p>
@@ -2950,7 +2950,7 @@
           <a:p>
             <a:fld id="{E19F52F1-73BD-4BE7-9AED-8C4A15D34D5B}" type="datetimeFigureOut">
               <a:rPr lang="en-IN" smtClean="0"/>
-              <a:t>09-09-2018</a:t>
+              <a:t>15-09-2018</a:t>
             </a:fld>
             <a:endParaRPr lang="en-IN"/>
           </a:p>
@@ -3557,31 +3557,31 @@
           <a:p>
             <a:r>
               <a:rPr lang="en-IN" dirty="0"/>
-              <a:t>create table a (id integer ,address varchar(20));</a:t>
-            </a:r>
-          </a:p>
-          <a:p>
-            <a:r>
-              <a:rPr lang="en-IN" dirty="0"/>
-              <a:t>insert into a values (1,'A');</a:t>
-            </a:r>
-          </a:p>
-          <a:p>
-            <a:r>
-              <a:rPr lang="en-IN" dirty="0"/>
-              <a:t>insert into a values (2,'B');</a:t>
-            </a:r>
-          </a:p>
-          <a:p>
-            <a:r>
-              <a:rPr lang="en-IN" dirty="0"/>
-              <a:t>insert into a values (3,'C');</a:t>
-            </a:r>
-          </a:p>
-          <a:p>
-            <a:r>
-              <a:rPr lang="en-IN" dirty="0"/>
-              <a:t>insert into a values (4,'D');</a:t>
+              <a:t>create table c (id integer ,address varchar(20));</a:t>
+            </a:r>
+          </a:p>
+          <a:p>
+            <a:r>
+              <a:rPr lang="en-IN" dirty="0"/>
+              <a:t>insert into c values (1,'A');</a:t>
+            </a:r>
+          </a:p>
+          <a:p>
+            <a:r>
+              <a:rPr lang="en-IN" dirty="0"/>
+              <a:t>insert into c values (2,'B');</a:t>
+            </a:r>
+          </a:p>
+          <a:p>
+            <a:r>
+              <a:rPr lang="en-IN" dirty="0"/>
+              <a:t>insert into c values (3,'C');</a:t>
+            </a:r>
+          </a:p>
+          <a:p>
+            <a:r>
+              <a:rPr lang="en-IN" dirty="0"/>
+              <a:t>insert into c values (4,'D');</a:t>
             </a:r>
           </a:p>
           <a:p>
@@ -4391,7 +4391,7 @@
           <a:p>
             <a:r>
               <a:rPr lang="en-IN" sz="1200" dirty="0"/>
-              <a:t>--table b \</a:t>
+              <a:t>--table c \</a:t>
             </a:r>
           </a:p>
           <a:p>
@@ -4413,7 +4413,7 @@
             </a:r>
             <a:r>
               <a:rPr lang="en-IN" sz="1200" dirty="0"/>
-              <a:t>/b</a:t>
+              <a:t>/c</a:t>
             </a:r>
           </a:p>
         </p:txBody>
@@ -4462,8 +4462,8 @@
         </p:nvSpPr>
         <p:spPr>
           <a:xfrm>
-            <a:off x="260838" y="327383"/>
-            <a:ext cx="10369061" cy="5262979"/>
+            <a:off x="418780" y="127878"/>
+            <a:ext cx="10369061" cy="5632311"/>
           </a:xfrm>
           <a:prstGeom prst="rect">
             <a:avLst/>
@@ -4620,6 +4620,12 @@
               <a:rPr lang="en-IN" sz="1400" dirty="0"/>
               <a:t> --table b --m  1</a:t>
             </a:r>
+          </a:p>
+          <a:p>
+            <a:endParaRPr lang="en-IN" sz="1400" dirty="0"/>
+          </a:p>
+          <a:p>
+            <a:endParaRPr lang="en-IN" sz="1400" dirty="0"/>
           </a:p>
           <a:p>
             <a:endParaRPr lang="en-IN" sz="1400" dirty="0"/>
@@ -4708,7 +4714,7 @@
         </p:blipFill>
         <p:spPr>
           <a:xfrm>
-            <a:off x="3152775" y="3078041"/>
+            <a:off x="3368906" y="3302485"/>
             <a:ext cx="6343650" cy="1581150"/>
           </a:xfrm>
           <a:prstGeom prst="rect">
@@ -4738,7 +4744,7 @@
         </p:blipFill>
         <p:spPr>
           <a:xfrm>
-            <a:off x="3152775" y="4659191"/>
+            <a:off x="3177713" y="4634253"/>
             <a:ext cx="5086350" cy="1962150"/>
           </a:xfrm>
           <a:prstGeom prst="rect">
@@ -6516,7 +6522,7 @@
         <p:spPr>
           <a:xfrm>
             <a:off x="703385" y="1116623"/>
-            <a:ext cx="9671538" cy="7602081"/>
+            <a:ext cx="9671538" cy="7879080"/>
           </a:xfrm>
           <a:prstGeom prst="rect">
             <a:avLst/>
@@ -6636,8 +6642,11 @@
               <a:rPr lang="da-DK" dirty="0">
                 <a:hlinkClick r:id="rId2"/>
               </a:rPr>
-              <a:t>http://archive.apache.org/dist/sqoop/1.99.7/sqoop-1.99.7-bin-hadoop200.tar.gz</a:t>
-            </a:r>
+              <a:t>https://archive.apache.org/dist/sqoop/1.4.5/sqoop-1.4.5.bin__hadoop-2.0.4-alpha.tar.gz</a:t>
+            </a:r>
+            <a:endParaRPr lang="da-DK" dirty="0"/>
+          </a:p>
+          <a:p>
             <a:endParaRPr lang="da-DK" dirty="0"/>
           </a:p>
           <a:p>
@@ -6693,7 +6702,7 @@
             </a:r>
             <a:r>
               <a:rPr lang="en-IN" sz="1400" dirty="0" err="1"/>
-              <a:t>hbase</a:t>
+              <a:t>sqoop</a:t>
             </a:r>
             <a:r>
               <a:rPr lang="en-IN" sz="1400" dirty="0"/>
@@ -6822,7 +6831,7 @@
         </p:nvSpPr>
         <p:spPr>
           <a:xfrm>
-            <a:off x="1283677" y="1134208"/>
+            <a:off x="676848" y="1063868"/>
             <a:ext cx="9624646" cy="6740307"/>
           </a:xfrm>
           <a:prstGeom prst="rect">
@@ -7142,7 +7151,7 @@
             </a:r>
             <a:r>
               <a:rPr lang="en-IN" dirty="0"/>
-              <a:t>/lib\</a:t>
+              <a:t>/lib</a:t>
             </a:r>
           </a:p>
           <a:p>
@@ -7203,17 +7212,28 @@
           <a:p>
             <a:r>
               <a:rPr lang="en-IN" dirty="0" err="1"/>
-              <a:t>systemctl</a:t>
-            </a:r>
-            <a:r>
-              <a:rPr lang="en-IN" dirty="0"/>
-              <a:t> restart </a:t>
+              <a:t>sudo</a:t>
+            </a:r>
+            <a:r>
+              <a:rPr lang="en-IN" dirty="0"/>
+              <a:t> /etc/</a:t>
             </a:r>
             <a:r>
               <a:rPr lang="en-IN" dirty="0" err="1"/>
-              <a:t>mysql.service</a:t>
-            </a:r>
-            <a:endParaRPr lang="en-IN" dirty="0"/>
+              <a:t>init.d</a:t>
+            </a:r>
+            <a:r>
+              <a:rPr lang="en-IN" dirty="0"/>
+              <a:t>/</a:t>
+            </a:r>
+            <a:r>
+              <a:rPr lang="en-IN" b="1" dirty="0" err="1"/>
+              <a:t>mysql</a:t>
+            </a:r>
+            <a:r>
+              <a:rPr lang="en-IN" b="1" dirty="0"/>
+              <a:t> restart</a:t>
+            </a:r>
           </a:p>
           <a:p>
             <a:endParaRPr lang="en-IN" dirty="0"/>
@@ -7536,8 +7556,23 @@
                 </a:solidFill>
                 <a:latin typeface="Open sans"/>
               </a:rPr>
-              <a:t>://namenode1:3306/ --username root --password Hadoop</a:t>
-            </a:r>
+              <a:t>://namenode1:3306/ --username root --password </a:t>
+            </a:r>
+            <a:r>
+              <a:rPr lang="en-IN" sz="1400" dirty="0" err="1">
+                <a:solidFill>
+                  <a:srgbClr val="333333"/>
+                </a:solidFill>
+                <a:latin typeface="Open sans"/>
+              </a:rPr>
+              <a:t>hadoop</a:t>
+            </a:r>
+            <a:endParaRPr lang="en-IN" sz="1400" dirty="0">
+              <a:solidFill>
+                <a:srgbClr val="333333"/>
+              </a:solidFill>
+              <a:latin typeface="Open sans"/>
+            </a:endParaRPr>
           </a:p>
           <a:p>
             <a:endParaRPr lang="en-IN" sz="1400" dirty="0">
